--- a/semester2 PPT/JS API and library.pptx
+++ b/semester2 PPT/JS API and library.pptx
@@ -384,7 +384,7 @@
           <a:p>
             <a:fld id="{52A87A73-31F0-48EC-A8E8-5D7B334567DC}" type="datetimeFigureOut">
               <a:rPr lang="en-CA" smtClean="0"/>
-              <a:t>2025-02-26</a:t>
+              <a:t>2025-02-28</a:t>
             </a:fld>
             <a:endParaRPr lang="en-CA"/>
           </a:p>
@@ -26555,6 +26555,36 @@
           </a:p>
         </p:txBody>
       </p:sp>
+      <p:pic>
+        <p:nvPicPr>
+          <p:cNvPr id="5" name="Picture 4" descr="A screenshot of a computer&#10;&#10;AI-generated content may be incorrect.">
+            <a:extLst>
+              <a:ext uri="{FF2B5EF4-FFF2-40B4-BE49-F238E27FC236}">
+                <a16:creationId xmlns:a16="http://schemas.microsoft.com/office/drawing/2014/main" id="{C44E84A1-BBAD-A4CA-9169-081C7A1A98CD}"/>
+              </a:ext>
+            </a:extLst>
+          </p:cNvPr>
+          <p:cNvPicPr>
+            <a:picLocks noChangeAspect="1"/>
+          </p:cNvPicPr>
+          <p:nvPr/>
+        </p:nvPicPr>
+        <p:blipFill>
+          <a:blip r:embed="rId2"/>
+          <a:stretch>
+            <a:fillRect/>
+          </a:stretch>
+        </p:blipFill>
+        <p:spPr>
+          <a:xfrm>
+            <a:off x="1777621" y="984487"/>
+            <a:ext cx="6269099" cy="3638454"/>
+          </a:xfrm>
+          <a:prstGeom prst="rect">
+            <a:avLst/>
+          </a:prstGeom>
+        </p:spPr>
+      </p:pic>
     </p:spTree>
     <p:extLst>
       <p:ext uri="{BB962C8B-B14F-4D97-AF65-F5344CB8AC3E}">
